--- a/Documentos/Metodologia cientifica.pptx
+++ b/Documentos/Metodologia cientifica.pptx
@@ -5,16 +5,17 @@
     <p:sldMasterId id="2147483729" r:id="rId1"/>
   </p:sldMasterIdLst>
   <p:notesMasterIdLst>
-    <p:notesMasterId r:id="rId9"/>
+    <p:notesMasterId r:id="rId10"/>
   </p:notesMasterIdLst>
   <p:sldIdLst>
     <p:sldId id="256" r:id="rId2"/>
-    <p:sldId id="257" r:id="rId3"/>
-    <p:sldId id="258" r:id="rId4"/>
-    <p:sldId id="259" r:id="rId5"/>
-    <p:sldId id="260" r:id="rId6"/>
-    <p:sldId id="261" r:id="rId7"/>
-    <p:sldId id="262" r:id="rId8"/>
+    <p:sldId id="261" r:id="rId3"/>
+    <p:sldId id="257" r:id="rId4"/>
+    <p:sldId id="258" r:id="rId5"/>
+    <p:sldId id="259" r:id="rId6"/>
+    <p:sldId id="260" r:id="rId7"/>
+    <p:sldId id="263" r:id="rId8"/>
+    <p:sldId id="262" r:id="rId9"/>
   </p:sldIdLst>
   <p:sldSz cx="12192000" cy="6858000"/>
   <p:notesSz cx="6858000" cy="9144000"/>
@@ -203,7 +204,7 @@
           <a:p>
             <a:fld id="{56F33135-1512-4043-A650-BF5BDB15704E}" type="datetimeFigureOut">
               <a:rPr lang="pt-BR" smtClean="0"/>
-              <a:t>14/03/2018</a:t>
+              <a:t>04/07/2018</a:t>
             </a:fld>
             <a:endParaRPr lang="pt-BR"/>
           </a:p>
@@ -544,7 +545,7 @@
           <a:p>
             <a:fld id="{FA1B6188-21DC-475E-8429-49E8AC396C0F}" type="slidenum">
               <a:rPr lang="pt-BR" smtClean="0"/>
-              <a:t>5</a:t>
+              <a:t>6</a:t>
             </a:fld>
             <a:endParaRPr lang="pt-BR"/>
           </a:p>
@@ -894,7 +895,7 @@
           <a:p>
             <a:fld id="{C28E56B2-DD50-4D52-B4D4-9813FE6738DD}" type="datetimeFigureOut">
               <a:rPr lang="pt-BR" smtClean="0"/>
-              <a:t>14/03/2018</a:t>
+              <a:t>04/07/2018</a:t>
             </a:fld>
             <a:endParaRPr lang="pt-BR"/>
           </a:p>
@@ -1218,7 +1219,7 @@
           <a:p>
             <a:fld id="{C28E56B2-DD50-4D52-B4D4-9813FE6738DD}" type="datetimeFigureOut">
               <a:rPr lang="pt-BR" smtClean="0"/>
-              <a:t>14/03/2018</a:t>
+              <a:t>04/07/2018</a:t>
             </a:fld>
             <a:endParaRPr lang="pt-BR"/>
           </a:p>
@@ -1466,7 +1467,7 @@
           <a:p>
             <a:fld id="{C28E56B2-DD50-4D52-B4D4-9813FE6738DD}" type="datetimeFigureOut">
               <a:rPr lang="pt-BR" smtClean="0"/>
-              <a:t>14/03/2018</a:t>
+              <a:t>04/07/2018</a:t>
             </a:fld>
             <a:endParaRPr lang="pt-BR"/>
           </a:p>
@@ -1805,7 +1806,7 @@
           <a:p>
             <a:fld id="{C28E56B2-DD50-4D52-B4D4-9813FE6738DD}" type="datetimeFigureOut">
               <a:rPr lang="pt-BR" smtClean="0"/>
-              <a:t>14/03/2018</a:t>
+              <a:t>04/07/2018</a:t>
             </a:fld>
             <a:endParaRPr lang="pt-BR"/>
           </a:p>
@@ -2152,7 +2153,7 @@
           <a:p>
             <a:fld id="{C28E56B2-DD50-4D52-B4D4-9813FE6738DD}" type="datetimeFigureOut">
               <a:rPr lang="pt-BR" smtClean="0"/>
-              <a:t>14/03/2018</a:t>
+              <a:t>04/07/2018</a:t>
             </a:fld>
             <a:endParaRPr lang="pt-BR"/>
           </a:p>
@@ -2526,7 +2527,7 @@
           <a:p>
             <a:fld id="{C28E56B2-DD50-4D52-B4D4-9813FE6738DD}" type="datetimeFigureOut">
               <a:rPr lang="pt-BR" smtClean="0"/>
-              <a:t>14/03/2018</a:t>
+              <a:t>04/07/2018</a:t>
             </a:fld>
             <a:endParaRPr lang="pt-BR"/>
           </a:p>
@@ -2996,7 +2997,7 @@
           <a:p>
             <a:fld id="{C28E56B2-DD50-4D52-B4D4-9813FE6738DD}" type="datetimeFigureOut">
               <a:rPr lang="pt-BR" smtClean="0"/>
-              <a:t>14/03/2018</a:t>
+              <a:t>04/07/2018</a:t>
             </a:fld>
             <a:endParaRPr lang="pt-BR"/>
           </a:p>
@@ -3201,7 +3202,7 @@
           <a:p>
             <a:fld id="{C28E56B2-DD50-4D52-B4D4-9813FE6738DD}" type="datetimeFigureOut">
               <a:rPr lang="pt-BR" smtClean="0"/>
-              <a:t>14/03/2018</a:t>
+              <a:t>04/07/2018</a:t>
             </a:fld>
             <a:endParaRPr lang="pt-BR"/>
           </a:p>
@@ -3412,7 +3413,7 @@
           <a:p>
             <a:fld id="{C28E56B2-DD50-4D52-B4D4-9813FE6738DD}" type="datetimeFigureOut">
               <a:rPr lang="pt-BR" smtClean="0"/>
-              <a:t>14/03/2018</a:t>
+              <a:t>04/07/2018</a:t>
             </a:fld>
             <a:endParaRPr lang="pt-BR"/>
           </a:p>
@@ -3644,7 +3645,7 @@
           <a:p>
             <a:fld id="{C28E56B2-DD50-4D52-B4D4-9813FE6738DD}" type="datetimeFigureOut">
               <a:rPr lang="pt-BR" smtClean="0"/>
-              <a:t>14/03/2018</a:t>
+              <a:t>04/07/2018</a:t>
             </a:fld>
             <a:endParaRPr lang="pt-BR"/>
           </a:p>
@@ -3892,7 +3893,7 @@
           <a:p>
             <a:fld id="{C28E56B2-DD50-4D52-B4D4-9813FE6738DD}" type="datetimeFigureOut">
               <a:rPr lang="pt-BR" smtClean="0"/>
-              <a:t>14/03/2018</a:t>
+              <a:t>04/07/2018</a:t>
             </a:fld>
             <a:endParaRPr lang="pt-BR"/>
           </a:p>
@@ -4190,7 +4191,7 @@
           <a:p>
             <a:fld id="{C28E56B2-DD50-4D52-B4D4-9813FE6738DD}" type="datetimeFigureOut">
               <a:rPr lang="pt-BR" smtClean="0"/>
-              <a:t>14/03/2018</a:t>
+              <a:t>04/07/2018</a:t>
             </a:fld>
             <a:endParaRPr lang="pt-BR"/>
           </a:p>
@@ -4584,7 +4585,7 @@
           <a:p>
             <a:fld id="{C28E56B2-DD50-4D52-B4D4-9813FE6738DD}" type="datetimeFigureOut">
               <a:rPr lang="pt-BR" smtClean="0"/>
-              <a:t>14/03/2018</a:t>
+              <a:t>04/07/2018</a:t>
             </a:fld>
             <a:endParaRPr lang="pt-BR"/>
           </a:p>
@@ -4733,7 +4734,7 @@
           <a:p>
             <a:fld id="{C28E56B2-DD50-4D52-B4D4-9813FE6738DD}" type="datetimeFigureOut">
               <a:rPr lang="pt-BR" smtClean="0"/>
-              <a:t>14/03/2018</a:t>
+              <a:t>04/07/2018</a:t>
             </a:fld>
             <a:endParaRPr lang="pt-BR"/>
           </a:p>
@@ -4859,7 +4860,7 @@
           <a:p>
             <a:fld id="{C28E56B2-DD50-4D52-B4D4-9813FE6738DD}" type="datetimeFigureOut">
               <a:rPr lang="pt-BR" smtClean="0"/>
-              <a:t>14/03/2018</a:t>
+              <a:t>04/07/2018</a:t>
             </a:fld>
             <a:endParaRPr lang="pt-BR"/>
           </a:p>
@@ -5114,7 +5115,7 @@
           <a:p>
             <a:fld id="{C28E56B2-DD50-4D52-B4D4-9813FE6738DD}" type="datetimeFigureOut">
               <a:rPr lang="pt-BR" smtClean="0"/>
-              <a:t>14/03/2018</a:t>
+              <a:t>04/07/2018</a:t>
             </a:fld>
             <a:endParaRPr lang="pt-BR"/>
           </a:p>
@@ -5429,7 +5430,7 @@
           <a:p>
             <a:fld id="{C28E56B2-DD50-4D52-B4D4-9813FE6738DD}" type="datetimeFigureOut">
               <a:rPr lang="pt-BR" smtClean="0"/>
-              <a:t>14/03/2018</a:t>
+              <a:t>04/07/2018</a:t>
             </a:fld>
             <a:endParaRPr lang="pt-BR"/>
           </a:p>
@@ -5780,7 +5781,7 @@
           <a:p>
             <a:fld id="{C28E56B2-DD50-4D52-B4D4-9813FE6738DD}" type="datetimeFigureOut">
               <a:rPr lang="pt-BR" smtClean="0"/>
-              <a:t>14/03/2018</a:t>
+              <a:t>04/07/2018</a:t>
             </a:fld>
             <a:endParaRPr lang="pt-BR"/>
           </a:p>
@@ -6431,7 +6432,7 @@
           <p:cNvPr id="2" name="Título 1">
             <a:extLst>
               <a:ext uri="{FF2B5EF4-FFF2-40B4-BE49-F238E27FC236}">
-                <a16:creationId xmlns:a16="http://schemas.microsoft.com/office/drawing/2014/main" id="{3B497FF7-1ABF-430D-AEB8-F8A53264E8A4}"/>
+                <a16:creationId xmlns:a16="http://schemas.microsoft.com/office/drawing/2014/main" id="{DA1E7D9E-1AA0-4CB9-B9A8-AFE7E1EA7B29}"/>
               </a:ext>
             </a:extLst>
           </p:cNvPr>
@@ -6444,13 +6445,19 @@
         </p:nvSpPr>
         <p:spPr/>
         <p:txBody>
-          <a:bodyPr/>
-          <a:lstStyle/>
-          <a:p>
-            <a:r>
+          <a:bodyPr>
+            <a:normAutofit fontScale="90000"/>
+          </a:bodyPr>
+          <a:lstStyle/>
+          <a:p>
+            <a:r>
+              <a:rPr lang="pt-BR" b="1" dirty="0"/>
+              <a:t>  Introdução</a:t>
+            </a:r>
+            <a:br>
               <a:rPr lang="pt-BR" dirty="0"/>
-              <a:t>Problemática</a:t>
-            </a:r>
+            </a:br>
+            <a:endParaRPr lang="pt-BR" dirty="0"/>
           </a:p>
         </p:txBody>
       </p:sp>
@@ -6459,7 +6466,7 @@
           <p:cNvPr id="3" name="Espaço Reservado para Conteúdo 2">
             <a:extLst>
               <a:ext uri="{FF2B5EF4-FFF2-40B4-BE49-F238E27FC236}">
-                <a16:creationId xmlns:a16="http://schemas.microsoft.com/office/drawing/2014/main" id="{0EA8C2E1-3F7A-4AD4-9010-ACA058BC9F76}"/>
+                <a16:creationId xmlns:a16="http://schemas.microsoft.com/office/drawing/2014/main" id="{DA725009-786C-49AC-BEA2-DFE6C954015F}"/>
               </a:ext>
             </a:extLst>
           </p:cNvPr>
@@ -6475,32 +6482,39 @@
           <a:bodyPr/>
           <a:lstStyle/>
           <a:p>
-            <a:endParaRPr lang="pt-BR" dirty="0"/>
-          </a:p>
-          <a:p>
-            <a:endParaRPr lang="pt-BR" dirty="0">
-              <a:latin typeface="Arial" panose="020B0604020202020204" pitchFamily="34" charset="0"/>
-              <a:cs typeface="Arial" panose="020B0604020202020204" pitchFamily="34" charset="0"/>
-            </a:endParaRPr>
-          </a:p>
-          <a:p>
-            <a:r>
-              <a:rPr lang="pt-BR" dirty="0">
-                <a:latin typeface="Arial" panose="020B0604020202020204" pitchFamily="34" charset="0"/>
-                <a:cs typeface="Arial" panose="020B0604020202020204" pitchFamily="34" charset="0"/>
-              </a:rPr>
-              <a:t>Como um profissional na área de Educação Física pode ser auxiliado no momento em que está realizando a avaliação antropométrica em seus clientes?</a:t>
-            </a:r>
-          </a:p>
-          <a:p>
-            <a:endParaRPr lang="pt-BR" dirty="0"/>
+            <a:r>
+              <a:rPr lang="pt-BR" dirty="0"/>
+              <a:t>A antropometria é a busca por padrões para os componentes corporais, por meio de medidas de perímetro e comprimento de segmentos, tecido de gordura subcutâneo, diâmetros ósseos, massa corporal e estatura. </a:t>
+            </a:r>
+          </a:p>
+          <a:p>
+            <a:r>
+              <a:rPr lang="pt-BR" dirty="0"/>
+              <a:t>O </a:t>
+            </a:r>
+            <a:r>
+              <a:rPr lang="pt-BR" dirty="0" err="1"/>
+              <a:t>Adipômetro</a:t>
+            </a:r>
+            <a:r>
+              <a:rPr lang="pt-BR" dirty="0"/>
+              <a:t> é uma das ferramentas mais utilizadas para fazer esta avaliação, é o </a:t>
+            </a:r>
+            <a:r>
+              <a:rPr lang="pt-BR" dirty="0" err="1"/>
+              <a:t>adipômetro</a:t>
+            </a:r>
+            <a:r>
+              <a:rPr lang="pt-BR" dirty="0"/>
+              <a:t>, que serve como base para calcular as dobras cutâneas,  que é uma metodologia utilizada para medir, a espessura da pele e do tecido adiposo subcutâneo em locais específicos do corpo do avaliado.</a:t>
+            </a:r>
           </a:p>
         </p:txBody>
       </p:sp>
     </p:spTree>
     <p:extLst>
       <p:ext uri="{BB962C8B-B14F-4D97-AF65-F5344CB8AC3E}">
-        <p14:creationId xmlns:p14="http://schemas.microsoft.com/office/powerpoint/2010/main" val="385211242"/>
+        <p14:creationId xmlns:p14="http://schemas.microsoft.com/office/powerpoint/2010/main" val="3682332974"/>
       </p:ext>
     </p:extLst>
   </p:cSld>
@@ -6532,7 +6546,7 @@
           <p:cNvPr id="2" name="Título 1">
             <a:extLst>
               <a:ext uri="{FF2B5EF4-FFF2-40B4-BE49-F238E27FC236}">
-                <a16:creationId xmlns:a16="http://schemas.microsoft.com/office/drawing/2014/main" id="{E3969108-6C27-42B4-AA1F-0ED3FDD78A4C}"/>
+                <a16:creationId xmlns:a16="http://schemas.microsoft.com/office/drawing/2014/main" id="{3B497FF7-1ABF-430D-AEB8-F8A53264E8A4}"/>
               </a:ext>
             </a:extLst>
           </p:cNvPr>
@@ -6545,19 +6559,13 @@
         </p:nvSpPr>
         <p:spPr/>
         <p:txBody>
-          <a:bodyPr>
-            <a:normAutofit fontScale="90000"/>
-          </a:bodyPr>
-          <a:lstStyle/>
-          <a:p>
-            <a:r>
-              <a:rPr lang="pt-BR" b="1" dirty="0"/>
-              <a:t>Objetivo Geral</a:t>
-            </a:r>
-            <a:br>
+          <a:bodyPr/>
+          <a:lstStyle/>
+          <a:p>
+            <a:r>
               <a:rPr lang="pt-BR" dirty="0"/>
-            </a:br>
-            <a:endParaRPr lang="pt-BR" dirty="0"/>
+              <a:t>Problemática</a:t>
+            </a:r>
           </a:p>
         </p:txBody>
       </p:sp>
@@ -6566,7 +6574,7 @@
           <p:cNvPr id="3" name="Espaço Reservado para Conteúdo 2">
             <a:extLst>
               <a:ext uri="{FF2B5EF4-FFF2-40B4-BE49-F238E27FC236}">
-                <a16:creationId xmlns:a16="http://schemas.microsoft.com/office/drawing/2014/main" id="{E56A75DF-7A0D-46A8-8AAD-27F050624A05}"/>
+                <a16:creationId xmlns:a16="http://schemas.microsoft.com/office/drawing/2014/main" id="{0EA8C2E1-3F7A-4AD4-9010-ACA058BC9F76}"/>
               </a:ext>
             </a:extLst>
           </p:cNvPr>
@@ -6592,22 +6600,16 @@
           </a:p>
           <a:p>
             <a:r>
-              <a:rPr lang="pt-BR" dirty="0">
-                <a:latin typeface="Arial" panose="020B0604020202020204" pitchFamily="34" charset="0"/>
-                <a:cs typeface="Arial" panose="020B0604020202020204" pitchFamily="34" charset="0"/>
-              </a:rPr>
-              <a:t>Contribuir com o profissional de Educação Física para que ele possa ser auxiliado no processo de realização de uma avaliação antropométrica.</a:t>
-            </a:r>
-          </a:p>
-          <a:p>
-            <a:endParaRPr lang="pt-BR" dirty="0"/>
+              <a:rPr lang="pt-BR" dirty="0"/>
+              <a:t>Como automatizar avaliações antropométricas realizadas por um profissional na área de Educação Física, visando tornar mais rápido e práticas essas avaliações? </a:t>
+            </a:r>
           </a:p>
         </p:txBody>
       </p:sp>
     </p:spTree>
     <p:extLst>
       <p:ext uri="{BB962C8B-B14F-4D97-AF65-F5344CB8AC3E}">
-        <p14:creationId xmlns:p14="http://schemas.microsoft.com/office/powerpoint/2010/main" val="492595283"/>
+        <p14:creationId xmlns:p14="http://schemas.microsoft.com/office/powerpoint/2010/main" val="385211242"/>
       </p:ext>
     </p:extLst>
   </p:cSld>
@@ -6639,7 +6641,7 @@
           <p:cNvPr id="2" name="Título 1">
             <a:extLst>
               <a:ext uri="{FF2B5EF4-FFF2-40B4-BE49-F238E27FC236}">
-                <a16:creationId xmlns:a16="http://schemas.microsoft.com/office/drawing/2014/main" id="{4A936740-6002-483D-A90A-3725EA2BEEEC}"/>
+                <a16:creationId xmlns:a16="http://schemas.microsoft.com/office/drawing/2014/main" id="{E3969108-6C27-42B4-AA1F-0ED3FDD78A4C}"/>
               </a:ext>
             </a:extLst>
           </p:cNvPr>
@@ -6659,15 +6661,12 @@
           <a:p>
             <a:r>
               <a:rPr lang="pt-BR" b="1" dirty="0"/>
-              <a:t>Objetivos específicos</a:t>
+              <a:t>Objetivo Geral</a:t>
             </a:r>
             <a:br>
               <a:rPr lang="pt-BR" dirty="0"/>
             </a:br>
-            <a:r>
-              <a:rPr lang="pt-BR" dirty="0"/>
-              <a:t>	</a:t>
-            </a:r>
+            <a:endParaRPr lang="pt-BR" dirty="0"/>
           </a:p>
         </p:txBody>
       </p:sp>
@@ -6676,7 +6675,7 @@
           <p:cNvPr id="3" name="Espaço Reservado para Conteúdo 2">
             <a:extLst>
               <a:ext uri="{FF2B5EF4-FFF2-40B4-BE49-F238E27FC236}">
-                <a16:creationId xmlns:a16="http://schemas.microsoft.com/office/drawing/2014/main" id="{37DCAD29-ECB9-4013-952F-B67DC974A93B}"/>
+                <a16:creationId xmlns:a16="http://schemas.microsoft.com/office/drawing/2014/main" id="{E56A75DF-7A0D-46A8-8AAD-27F050624A05}"/>
               </a:ext>
             </a:extLst>
           </p:cNvPr>
@@ -6692,34 +6691,23 @@
           <a:bodyPr/>
           <a:lstStyle/>
           <a:p>
-            <a:pPr marL="0" indent="0">
-              <a:buNone/>
-            </a:pPr>
             <a:endParaRPr lang="pt-BR" dirty="0"/>
           </a:p>
           <a:p>
-            <a:pPr lvl="0"/>
+            <a:endParaRPr lang="pt-BR" dirty="0"/>
+          </a:p>
+          <a:p>
             <a:r>
               <a:rPr lang="pt-BR" dirty="0"/>
-              <a:t>Discutir a avaliação antropométrica a partir de profissionais de Educação Física</a:t>
-            </a:r>
-          </a:p>
-          <a:p>
-            <a:pPr lvl="0"/>
-            <a:r>
-              <a:rPr lang="pt-BR" dirty="0"/>
-              <a:t>Adaptar um aplicativo que realize as operações no processo da avaliação antropométrica</a:t>
-            </a:r>
-          </a:p>
-          <a:p>
-            <a:endParaRPr lang="pt-BR" dirty="0"/>
+              <a:t>Automatizar as avaliações antropométricas dos profissionais de Educação Física.</a:t>
+            </a:r>
           </a:p>
         </p:txBody>
       </p:sp>
     </p:spTree>
     <p:extLst>
       <p:ext uri="{BB962C8B-B14F-4D97-AF65-F5344CB8AC3E}">
-        <p14:creationId xmlns:p14="http://schemas.microsoft.com/office/powerpoint/2010/main" val="2209880572"/>
+        <p14:creationId xmlns:p14="http://schemas.microsoft.com/office/powerpoint/2010/main" val="492595283"/>
       </p:ext>
     </p:extLst>
   </p:cSld>
@@ -6751,7 +6739,7 @@
           <p:cNvPr id="2" name="Título 1">
             <a:extLst>
               <a:ext uri="{FF2B5EF4-FFF2-40B4-BE49-F238E27FC236}">
-                <a16:creationId xmlns:a16="http://schemas.microsoft.com/office/drawing/2014/main" id="{EC42C59A-5F24-46D6-A0E4-AD8A14B66CE8}"/>
+                <a16:creationId xmlns:a16="http://schemas.microsoft.com/office/drawing/2014/main" id="{4A936740-6002-483D-A90A-3725EA2BEEEC}"/>
               </a:ext>
             </a:extLst>
           </p:cNvPr>
@@ -6770,20 +6758,16 @@
           <a:lstStyle/>
           <a:p>
             <a:r>
-              <a:rPr lang="pt-BR" dirty="0"/>
-              <a:t> </a:t>
+              <a:rPr lang="pt-BR" b="1" dirty="0"/>
+              <a:t>Objetivos específicos</a:t>
             </a:r>
             <a:br>
               <a:rPr lang="pt-BR" dirty="0"/>
             </a:br>
             <a:r>
-              <a:rPr lang="pt-BR" b="1" dirty="0"/>
-              <a:t>Requisitos de Interface</a:t>
-            </a:r>
-            <a:br>
               <a:rPr lang="pt-BR" dirty="0"/>
-            </a:br>
-            <a:endParaRPr lang="pt-BR" dirty="0"/>
+              <a:t>	</a:t>
+            </a:r>
           </a:p>
         </p:txBody>
       </p:sp>
@@ -6792,7 +6776,7 @@
           <p:cNvPr id="3" name="Espaço Reservado para Conteúdo 2">
             <a:extLst>
               <a:ext uri="{FF2B5EF4-FFF2-40B4-BE49-F238E27FC236}">
-                <a16:creationId xmlns:a16="http://schemas.microsoft.com/office/drawing/2014/main" id="{FBB04BFA-DBF6-4D53-BBAA-E5FCEE6FD218}"/>
+                <a16:creationId xmlns:a16="http://schemas.microsoft.com/office/drawing/2014/main" id="{37DCAD29-ECB9-4013-952F-B67DC974A93B}"/>
               </a:ext>
             </a:extLst>
           </p:cNvPr>
@@ -6808,56 +6792,29 @@
           <a:bodyPr/>
           <a:lstStyle/>
           <a:p>
+            <a:pPr marL="0" indent="0">
+              <a:buNone/>
+            </a:pPr>
             <a:endParaRPr lang="pt-BR" dirty="0"/>
           </a:p>
           <a:p>
-            <a:endParaRPr lang="pt-BR" dirty="0"/>
-          </a:p>
-        </p:txBody>
-      </p:sp>
-      <p:pic>
-        <p:nvPicPr>
-          <p:cNvPr id="4" name="Imagem 3">
-            <a:extLst>
-              <a:ext uri="{FF2B5EF4-FFF2-40B4-BE49-F238E27FC236}">
-                <a16:creationId xmlns:a16="http://schemas.microsoft.com/office/drawing/2014/main" id="{15C20AF8-51A1-456F-9490-6CCD5723454E}"/>
-              </a:ext>
-            </a:extLst>
-          </p:cNvPr>
-          <p:cNvPicPr/>
-          <p:nvPr/>
-        </p:nvPicPr>
-        <p:blipFill>
-          <a:blip r:embed="rId3">
-            <a:extLst>
-              <a:ext uri="{28A0092B-C50C-407E-A947-70E740481C1C}">
-                <a14:useLocalDpi xmlns:a14="http://schemas.microsoft.com/office/drawing/2010/main" val="0"/>
-              </a:ext>
-            </a:extLst>
-          </a:blip>
-          <a:srcRect/>
-          <a:stretch>
-            <a:fillRect/>
-          </a:stretch>
-        </p:blipFill>
-        <p:spPr bwMode="auto">
-          <a:xfrm>
-            <a:off x="2279374" y="1825625"/>
-            <a:ext cx="7169426" cy="3727036"/>
-          </a:xfrm>
-          <a:prstGeom prst="rect">
-            <a:avLst/>
-          </a:prstGeom>
-          <a:noFill/>
-          <a:ln>
-            <a:noFill/>
-          </a:ln>
-        </p:spPr>
-      </p:pic>
+            <a:r>
+              <a:rPr lang="pt-BR" dirty="0"/>
+              <a:t> Auxiliar um profissionais de Educação Física em suas avaliações antropométricas. </a:t>
+            </a:r>
+          </a:p>
+          <a:p>
+            <a:r>
+              <a:rPr lang="pt-BR" dirty="0"/>
+              <a:t>Propor um plataforma web que opere os protocolos no processo da avaliação antropométrica.</a:t>
+            </a:r>
+          </a:p>
+        </p:txBody>
+      </p:sp>
     </p:spTree>
     <p:extLst>
       <p:ext uri="{BB962C8B-B14F-4D97-AF65-F5344CB8AC3E}">
-        <p14:creationId xmlns:p14="http://schemas.microsoft.com/office/powerpoint/2010/main" val="2908265107"/>
+        <p14:creationId xmlns:p14="http://schemas.microsoft.com/office/powerpoint/2010/main" val="2209880572"/>
       </p:ext>
     </p:extLst>
   </p:cSld>
@@ -6889,7 +6846,7 @@
           <p:cNvPr id="2" name="Título 1">
             <a:extLst>
               <a:ext uri="{FF2B5EF4-FFF2-40B4-BE49-F238E27FC236}">
-                <a16:creationId xmlns:a16="http://schemas.microsoft.com/office/drawing/2014/main" id="{DA1E7D9E-1AA0-4CB9-B9A8-AFE7E1EA7B29}"/>
+                <a16:creationId xmlns:a16="http://schemas.microsoft.com/office/drawing/2014/main" id="{EC42C59A-5F24-46D6-A0E4-AD8A14B66CE8}"/>
               </a:ext>
             </a:extLst>
           </p:cNvPr>
@@ -6908,8 +6865,15 @@
           <a:lstStyle/>
           <a:p>
             <a:r>
+              <a:rPr lang="pt-BR" dirty="0"/>
+              <a:t> </a:t>
+            </a:r>
+            <a:br>
+              <a:rPr lang="pt-BR" dirty="0"/>
+            </a:br>
+            <a:r>
               <a:rPr lang="pt-BR" b="1" dirty="0"/>
-              <a:t>  Introdução</a:t>
+              <a:t>Requisitos de Interface</a:t>
             </a:r>
             <a:br>
               <a:rPr lang="pt-BR" dirty="0"/>
@@ -6923,7 +6887,7 @@
           <p:cNvPr id="3" name="Espaço Reservado para Conteúdo 2">
             <a:extLst>
               <a:ext uri="{FF2B5EF4-FFF2-40B4-BE49-F238E27FC236}">
-                <a16:creationId xmlns:a16="http://schemas.microsoft.com/office/drawing/2014/main" id="{DA725009-786C-49AC-BEA2-DFE6C954015F}"/>
+                <a16:creationId xmlns:a16="http://schemas.microsoft.com/office/drawing/2014/main" id="{FBB04BFA-DBF6-4D53-BBAA-E5FCEE6FD218}"/>
               </a:ext>
             </a:extLst>
           </p:cNvPr>
@@ -6942,23 +6906,86 @@
             <a:endParaRPr lang="pt-BR" dirty="0"/>
           </a:p>
           <a:p>
-            <a:r>
-              <a:rPr lang="pt-BR" dirty="0"/>
-              <a:t> A antropometria pode ser definida como a busca por padrões para os componentes corporais, através de medidas de perímetro e comprimento de segmentos, tecido de gordura subcutâneo, diâmetros ósseos, massa corporal e estatura. </a:t>
-            </a:r>
-          </a:p>
-          <a:p>
-            <a:r>
-              <a:rPr lang="pt-BR" dirty="0"/>
-              <a:t>A avaliação antropométrica pode ser utilizada para determinar o tamanho físico de uma população, por meio da utilização das medidas de comprimento, profundidade, circunferências corporais </a:t>
-            </a:r>
-          </a:p>
-        </p:txBody>
-      </p:sp>
+            <a:endParaRPr lang="pt-BR" dirty="0"/>
+          </a:p>
+        </p:txBody>
+      </p:sp>
+      <p:pic>
+        <p:nvPicPr>
+          <p:cNvPr id="8" name="Imagem 7">
+            <a:extLst>
+              <a:ext uri="{FF2B5EF4-FFF2-40B4-BE49-F238E27FC236}">
+                <a16:creationId xmlns:a16="http://schemas.microsoft.com/office/drawing/2014/main" id="{225F3752-5B3B-4936-B6FC-1D77EA11ACCE}"/>
+              </a:ext>
+            </a:extLst>
+          </p:cNvPr>
+          <p:cNvPicPr>
+            <a:picLocks noChangeAspect="1"/>
+          </p:cNvPicPr>
+          <p:nvPr/>
+        </p:nvPicPr>
+        <p:blipFill>
+          <a:blip r:embed="rId3">
+            <a:extLst>
+              <a:ext uri="{28A0092B-C50C-407E-A947-70E740481C1C}">
+                <a14:useLocalDpi xmlns:a14="http://schemas.microsoft.com/office/drawing/2010/main" val="0"/>
+              </a:ext>
+            </a:extLst>
+          </a:blip>
+          <a:stretch>
+            <a:fillRect/>
+          </a:stretch>
+        </p:blipFill>
+        <p:spPr>
+          <a:xfrm>
+            <a:off x="1070968" y="2556931"/>
+            <a:ext cx="4720232" cy="3663441"/>
+          </a:xfrm>
+          <a:prstGeom prst="rect">
+            <a:avLst/>
+          </a:prstGeom>
+        </p:spPr>
+      </p:pic>
+      <p:pic>
+        <p:nvPicPr>
+          <p:cNvPr id="10" name="Imagem 9">
+            <a:extLst>
+              <a:ext uri="{FF2B5EF4-FFF2-40B4-BE49-F238E27FC236}">
+                <a16:creationId xmlns:a16="http://schemas.microsoft.com/office/drawing/2014/main" id="{92CE5871-9AA8-4B8B-9E2D-6F86C5774152}"/>
+              </a:ext>
+            </a:extLst>
+          </p:cNvPr>
+          <p:cNvPicPr>
+            <a:picLocks noChangeAspect="1"/>
+          </p:cNvPicPr>
+          <p:nvPr/>
+        </p:nvPicPr>
+        <p:blipFill>
+          <a:blip r:embed="rId4">
+            <a:extLst>
+              <a:ext uri="{28A0092B-C50C-407E-A947-70E740481C1C}">
+                <a14:useLocalDpi xmlns:a14="http://schemas.microsoft.com/office/drawing/2010/main" val="0"/>
+              </a:ext>
+            </a:extLst>
+          </a:blip>
+          <a:stretch>
+            <a:fillRect/>
+          </a:stretch>
+        </p:blipFill>
+        <p:spPr>
+          <a:xfrm>
+            <a:off x="6400802" y="2556931"/>
+            <a:ext cx="5023992" cy="3663441"/>
+          </a:xfrm>
+          <a:prstGeom prst="rect">
+            <a:avLst/>
+          </a:prstGeom>
+        </p:spPr>
+      </p:pic>
     </p:spTree>
     <p:extLst>
       <p:ext uri="{BB962C8B-B14F-4D97-AF65-F5344CB8AC3E}">
-        <p14:creationId xmlns:p14="http://schemas.microsoft.com/office/powerpoint/2010/main" val="3682332974"/>
+        <p14:creationId xmlns:p14="http://schemas.microsoft.com/office/powerpoint/2010/main" val="2908265107"/>
       </p:ext>
     </p:extLst>
   </p:cSld>
@@ -6990,6 +7017,110 @@
           <p:cNvPr id="2" name="Título 1">
             <a:extLst>
               <a:ext uri="{FF2B5EF4-FFF2-40B4-BE49-F238E27FC236}">
+                <a16:creationId xmlns:a16="http://schemas.microsoft.com/office/drawing/2014/main" id="{5D441C15-A6EC-431C-B934-FC89294663AA}"/>
+              </a:ext>
+            </a:extLst>
+          </p:cNvPr>
+          <p:cNvSpPr>
+            <a:spLocks noGrp="1"/>
+          </p:cNvSpPr>
+          <p:nvPr>
+            <p:ph type="title"/>
+          </p:nvPr>
+        </p:nvSpPr>
+        <p:spPr/>
+        <p:txBody>
+          <a:bodyPr/>
+          <a:lstStyle/>
+          <a:p>
+            <a:r>
+              <a:rPr lang="pt-BR" dirty="0"/>
+              <a:t>Tipos de Pesquisa</a:t>
+            </a:r>
+          </a:p>
+        </p:txBody>
+      </p:sp>
+      <p:sp>
+        <p:nvSpPr>
+          <p:cNvPr id="3" name="Título Vertical 2">
+            <a:extLst>
+              <a:ext uri="{FF2B5EF4-FFF2-40B4-BE49-F238E27FC236}">
+                <a16:creationId xmlns:a16="http://schemas.microsoft.com/office/drawing/2014/main" id="{A11C23CB-C411-4882-ADCC-A50066CCB92C}"/>
+              </a:ext>
+            </a:extLst>
+          </p:cNvPr>
+          <p:cNvSpPr>
+            <a:spLocks noGrp="1"/>
+          </p:cNvSpPr>
+          <p:nvPr>
+            <p:ph idx="1"/>
+          </p:nvPr>
+        </p:nvSpPr>
+        <p:spPr/>
+        <p:txBody>
+          <a:bodyPr/>
+          <a:lstStyle/>
+          <a:p>
+            <a:endParaRPr lang="pt-BR" dirty="0"/>
+          </a:p>
+          <a:p>
+            <a:endParaRPr lang="pt-BR" dirty="0"/>
+          </a:p>
+          <a:p>
+            <a:r>
+              <a:rPr lang="pt-BR" dirty="0"/>
+              <a:t>Pesquisa bibliográfica</a:t>
+            </a:r>
+          </a:p>
+          <a:p>
+            <a:r>
+              <a:rPr lang="pt-BR" dirty="0"/>
+              <a:t>Pesquisa exploratória</a:t>
+            </a:r>
+          </a:p>
+          <a:p>
+            <a:endParaRPr lang="pt-BR" dirty="0"/>
+          </a:p>
+          <a:p>
+            <a:endParaRPr lang="pt-BR" dirty="0"/>
+          </a:p>
+        </p:txBody>
+      </p:sp>
+    </p:spTree>
+    <p:extLst>
+      <p:ext uri="{BB962C8B-B14F-4D97-AF65-F5344CB8AC3E}">
+        <p14:creationId xmlns:p14="http://schemas.microsoft.com/office/powerpoint/2010/main" val="542361817"/>
+      </p:ext>
+    </p:extLst>
+  </p:cSld>
+  <p:clrMapOvr>
+    <a:masterClrMapping/>
+  </p:clrMapOvr>
+</p:sld>
+</file>
+
+<file path=ppt/slides/slide8.xml><?xml version="1.0" encoding="utf-8"?>
+<p:sld xmlns:a="http://schemas.openxmlformats.org/drawingml/2006/main" xmlns:r="http://schemas.openxmlformats.org/officeDocument/2006/relationships" xmlns:p="http://schemas.openxmlformats.org/presentationml/2006/main">
+  <p:cSld>
+    <p:spTree>
+      <p:nvGrpSpPr>
+        <p:cNvPr id="1" name=""/>
+        <p:cNvGrpSpPr/>
+        <p:nvPr/>
+      </p:nvGrpSpPr>
+      <p:grpSpPr>
+        <a:xfrm>
+          <a:off x="0" y="0"/>
+          <a:ext cx="0" cy="0"/>
+          <a:chOff x="0" y="0"/>
+          <a:chExt cx="0" cy="0"/>
+        </a:xfrm>
+      </p:grpSpPr>
+      <p:sp>
+        <p:nvSpPr>
+          <p:cNvPr id="2" name="Título 1">
+            <a:extLst>
+              <a:ext uri="{FF2B5EF4-FFF2-40B4-BE49-F238E27FC236}">
                 <a16:creationId xmlns:a16="http://schemas.microsoft.com/office/drawing/2014/main" id="{310B9356-F9D1-490F-AC2A-72703DE1DED9}"/>
               </a:ext>
             </a:extLst>
@@ -7007,44 +7138,44 @@
           <a:lstStyle/>
           <a:p>
             <a:r>
-              <a:rPr lang="pt-BR" dirty="0" err="1"/>
-              <a:t>Rêferencias</a:t>
-            </a:r>
-            <a:r>
               <a:rPr lang="pt-BR" dirty="0"/>
-              <a:t> bibliográficas</a:t>
-            </a:r>
-          </a:p>
-        </p:txBody>
-      </p:sp>
-      <p:sp>
-        <p:nvSpPr>
-          <p:cNvPr id="3" name="Espaço Reservado para Conteúdo 2">
+              <a:t>Referências bibliográficas</a:t>
+            </a:r>
+          </a:p>
+        </p:txBody>
+      </p:sp>
+      <p:pic>
+        <p:nvPicPr>
+          <p:cNvPr id="9" name="Título Vertical 8">
             <a:extLst>
               <a:ext uri="{FF2B5EF4-FFF2-40B4-BE49-F238E27FC236}">
-                <a16:creationId xmlns:a16="http://schemas.microsoft.com/office/drawing/2014/main" id="{0A7EAD64-CFED-45A3-AF05-DBA9F2656049}"/>
+                <a16:creationId xmlns:a16="http://schemas.microsoft.com/office/drawing/2014/main" id="{A31E289D-3137-49D6-AD81-F1B7DBE76366}"/>
               </a:ext>
             </a:extLst>
           </p:cNvPr>
-          <p:cNvSpPr>
-            <a:spLocks noGrp="1"/>
-          </p:cNvSpPr>
+          <p:cNvPicPr>
+            <a:picLocks noGrp="1" noChangeAspect="1"/>
+          </p:cNvPicPr>
           <p:nvPr>
             <p:ph idx="1"/>
           </p:nvPr>
-        </p:nvSpPr>
-        <p:spPr/>
-        <p:txBody>
-          <a:bodyPr/>
-          <a:lstStyle/>
-          <a:p>
-            <a:r>
-              <a:rPr lang="pt-BR" dirty="0"/>
-              <a:t>11 - Caderno de Referência - Avaliação Física</a:t>
-            </a:r>
-          </a:p>
-        </p:txBody>
-      </p:sp>
+        </p:nvPicPr>
+        <p:blipFill>
+          <a:blip r:embed="rId2"/>
+          <a:stretch>
+            <a:fillRect/>
+          </a:stretch>
+        </p:blipFill>
+        <p:spPr>
+          <a:xfrm>
+            <a:off x="3299792" y="2478157"/>
+            <a:ext cx="5406886" cy="3723860"/>
+          </a:xfrm>
+          <a:prstGeom prst="rect">
+            <a:avLst/>
+          </a:prstGeom>
+        </p:spPr>
+      </p:pic>
     </p:spTree>
     <p:extLst>
       <p:ext uri="{BB962C8B-B14F-4D97-AF65-F5344CB8AC3E}">
